--- a/1. Conceptualization with examples/Diag.pptx
+++ b/1. Conceptualization with examples/Diag.pptx
@@ -104,6 +104,11 @@
       </a:defRPr>
     </a:lvl9pPr>
   </p:defaultTextStyle>
+  <p:extLst>
+    <p:ext uri="{EFAFB233-063F-42B5-8137-9DF3F51BA10A}">
+      <p15:sldGuideLst xmlns:p15="http://schemas.microsoft.com/office/powerpoint/2012/main"/>
+    </p:ext>
+  </p:extLst>
 </p:presentation>
 </file>
 
@@ -254,7 +259,7 @@
           <a:p>
             <a:fld id="{EBA28D6E-9087-4754-8AEA-BB4014E90A58}" type="datetimeFigureOut">
               <a:rPr lang="ko-KR" altLang="en-US" smtClean="0"/>
-              <a:t>2023-03-30</a:t>
+              <a:t>2023-06-07</a:t>
             </a:fld>
             <a:endParaRPr lang="ko-KR" altLang="en-US"/>
           </a:p>
@@ -452,7 +457,7 @@
           <a:p>
             <a:fld id="{EBA28D6E-9087-4754-8AEA-BB4014E90A58}" type="datetimeFigureOut">
               <a:rPr lang="ko-KR" altLang="en-US" smtClean="0"/>
-              <a:t>2023-03-30</a:t>
+              <a:t>2023-06-07</a:t>
             </a:fld>
             <a:endParaRPr lang="ko-KR" altLang="en-US"/>
           </a:p>
@@ -660,7 +665,7 @@
           <a:p>
             <a:fld id="{EBA28D6E-9087-4754-8AEA-BB4014E90A58}" type="datetimeFigureOut">
               <a:rPr lang="ko-KR" altLang="en-US" smtClean="0"/>
-              <a:t>2023-03-30</a:t>
+              <a:t>2023-06-07</a:t>
             </a:fld>
             <a:endParaRPr lang="ko-KR" altLang="en-US"/>
           </a:p>
@@ -858,7 +863,7 @@
           <a:p>
             <a:fld id="{EBA28D6E-9087-4754-8AEA-BB4014E90A58}" type="datetimeFigureOut">
               <a:rPr lang="ko-KR" altLang="en-US" smtClean="0"/>
-              <a:t>2023-03-30</a:t>
+              <a:t>2023-06-07</a:t>
             </a:fld>
             <a:endParaRPr lang="ko-KR" altLang="en-US"/>
           </a:p>
@@ -1133,7 +1138,7 @@
           <a:p>
             <a:fld id="{EBA28D6E-9087-4754-8AEA-BB4014E90A58}" type="datetimeFigureOut">
               <a:rPr lang="ko-KR" altLang="en-US" smtClean="0"/>
-              <a:t>2023-03-30</a:t>
+              <a:t>2023-06-07</a:t>
             </a:fld>
             <a:endParaRPr lang="ko-KR" altLang="en-US"/>
           </a:p>
@@ -1398,7 +1403,7 @@
           <a:p>
             <a:fld id="{EBA28D6E-9087-4754-8AEA-BB4014E90A58}" type="datetimeFigureOut">
               <a:rPr lang="ko-KR" altLang="en-US" smtClean="0"/>
-              <a:t>2023-03-30</a:t>
+              <a:t>2023-06-07</a:t>
             </a:fld>
             <a:endParaRPr lang="ko-KR" altLang="en-US"/>
           </a:p>
@@ -1810,7 +1815,7 @@
           <a:p>
             <a:fld id="{EBA28D6E-9087-4754-8AEA-BB4014E90A58}" type="datetimeFigureOut">
               <a:rPr lang="ko-KR" altLang="en-US" smtClean="0"/>
-              <a:t>2023-03-30</a:t>
+              <a:t>2023-06-07</a:t>
             </a:fld>
             <a:endParaRPr lang="ko-KR" altLang="en-US"/>
           </a:p>
@@ -1951,7 +1956,7 @@
           <a:p>
             <a:fld id="{EBA28D6E-9087-4754-8AEA-BB4014E90A58}" type="datetimeFigureOut">
               <a:rPr lang="ko-KR" altLang="en-US" smtClean="0"/>
-              <a:t>2023-03-30</a:t>
+              <a:t>2023-06-07</a:t>
             </a:fld>
             <a:endParaRPr lang="ko-KR" altLang="en-US"/>
           </a:p>
@@ -2064,7 +2069,7 @@
           <a:p>
             <a:fld id="{EBA28D6E-9087-4754-8AEA-BB4014E90A58}" type="datetimeFigureOut">
               <a:rPr lang="ko-KR" altLang="en-US" smtClean="0"/>
-              <a:t>2023-03-30</a:t>
+              <a:t>2023-06-07</a:t>
             </a:fld>
             <a:endParaRPr lang="ko-KR" altLang="en-US"/>
           </a:p>
@@ -2375,7 +2380,7 @@
           <a:p>
             <a:fld id="{EBA28D6E-9087-4754-8AEA-BB4014E90A58}" type="datetimeFigureOut">
               <a:rPr lang="ko-KR" altLang="en-US" smtClean="0"/>
-              <a:t>2023-03-30</a:t>
+              <a:t>2023-06-07</a:t>
             </a:fld>
             <a:endParaRPr lang="ko-KR" altLang="en-US"/>
           </a:p>
@@ -2663,7 +2668,7 @@
           <a:p>
             <a:fld id="{EBA28D6E-9087-4754-8AEA-BB4014E90A58}" type="datetimeFigureOut">
               <a:rPr lang="ko-KR" altLang="en-US" smtClean="0"/>
-              <a:t>2023-03-30</a:t>
+              <a:t>2023-06-07</a:t>
             </a:fld>
             <a:endParaRPr lang="ko-KR" altLang="en-US"/>
           </a:p>
@@ -2904,7 +2909,7 @@
           <a:p>
             <a:fld id="{EBA28D6E-9087-4754-8AEA-BB4014E90A58}" type="datetimeFigureOut">
               <a:rPr lang="ko-KR" altLang="en-US" smtClean="0"/>
-              <a:t>2023-03-30</a:t>
+              <a:t>2023-06-07</a:t>
             </a:fld>
             <a:endParaRPr lang="ko-KR" altLang="en-US"/>
           </a:p>
@@ -3616,7 +3621,7 @@
             <a:pPr algn="ctr"/>
             <a:r>
               <a:rPr lang="en-US" altLang="ko-KR" sz="1000" dirty="0"/>
-              <a:t>Hole, Community Cards Information</a:t>
+              <a:t>Hand, Community Cards Information</a:t>
             </a:r>
             <a:endParaRPr lang="ko-KR" altLang="en-US" sz="1000" dirty="0"/>
           </a:p>
@@ -3674,7 +3679,7 @@
         <p:spPr>
           <a:xfrm>
             <a:off x="7065819" y="2219494"/>
-            <a:ext cx="2381003" cy="2631490"/>
+            <a:ext cx="2638412" cy="2631490"/>
           </a:xfrm>
           <a:prstGeom prst="rect">
             <a:avLst/>
@@ -3698,7 +3703,7 @@
           <a:p>
             <a:r>
               <a:rPr lang="en-US" altLang="ko-KR" sz="1500" dirty="0"/>
-              <a:t>Add Hole Card</a:t>
+              <a:t>Add Player Card</a:t>
             </a:r>
           </a:p>
           <a:p>
@@ -3707,7 +3712,7 @@
           <a:p>
             <a:r>
               <a:rPr lang="en-US" altLang="ko-KR" sz="1500" dirty="0"/>
-              <a:t>Delete Hole Card</a:t>
+              <a:t>Remove Hole Card</a:t>
             </a:r>
           </a:p>
           <a:p>
@@ -3725,7 +3730,7 @@
           <a:p>
             <a:r>
               <a:rPr lang="en-US" altLang="ko-KR" sz="1500" dirty="0"/>
-              <a:t>Delete Community Card</a:t>
+              <a:t>Remove Community Card</a:t>
             </a:r>
           </a:p>
           <a:p>
@@ -3753,8 +3758,8 @@
         </p:nvSpPr>
         <p:spPr>
           <a:xfrm>
-            <a:off x="1730828" y="2805752"/>
-            <a:ext cx="3066803" cy="1246495"/>
+            <a:off x="1659994" y="2998935"/>
+            <a:ext cx="3066803" cy="323165"/>
           </a:xfrm>
           <a:prstGeom prst="rect">
             <a:avLst/>
@@ -3769,25 +3774,7 @@
           <a:p>
             <a:r>
               <a:rPr lang="en-US" altLang="ko-KR" sz="1500" dirty="0"/>
-              <a:t>Show Possible Hand</a:t>
-            </a:r>
-          </a:p>
-          <a:p>
-            <a:endParaRPr lang="en-US" altLang="ko-KR" sz="1500" dirty="0"/>
-          </a:p>
-          <a:p>
-            <a:r>
-              <a:rPr lang="en-US" altLang="ko-KR" sz="1500" dirty="0"/>
-              <a:t>Show Hands watch out for</a:t>
-            </a:r>
-          </a:p>
-          <a:p>
-            <a:endParaRPr lang="en-US" altLang="ko-KR" sz="1500" dirty="0"/>
-          </a:p>
-          <a:p>
-            <a:r>
-              <a:rPr lang="en-US" altLang="ko-KR" sz="1500" dirty="0"/>
-              <a:t>Show Odds of Winning</a:t>
+              <a:t>Show Current Hand</a:t>
             </a:r>
           </a:p>
         </p:txBody>
